--- a/120 구매/109 자율비행 구매 계획서 9월 1주 V1.1.pptx
+++ b/120 구매/109 자율비행 구매 계획서 9월 1주 V1.1.pptx
@@ -12881,6 +12881,10 @@
               <a:rPr lang="ko-KR" altLang="en-US" sz="3888" dirty="0"/>
               <a:t>구매 계획서</a:t>
             </a:r>
+            <a:r>
+              <a:rPr lang="en-US" sz="3888" dirty="0"/>
+              <a:t/>
+            </a:r>
             <a:br>
               <a:rPr lang="en-US" sz="3888" dirty="0"/>
             </a:br>
@@ -15111,14 +15115,14 @@
           <p:nvPr>
             <p:extLst>
               <p:ext uri="{D42A27DB-BD31-4B8C-83A1-F6EECF244321}">
-                <p14:modId xmlns:p14="http://schemas.microsoft.com/office/powerpoint/2010/main" val="147128291"/>
+                <p14:modId xmlns:p14="http://schemas.microsoft.com/office/powerpoint/2010/main" val="1744347880"/>
               </p:ext>
             </p:extLst>
           </p:nvPr>
         </p:nvGraphicFramePr>
         <p:xfrm>
           <a:off x="681037" y="1225296"/>
-          <a:ext cx="8543924" cy="4757831"/>
+          <a:ext cx="8543923" cy="4956193"/>
         </p:xfrm>
         <a:graphic>
           <a:graphicData uri="http://schemas.openxmlformats.org/drawingml/2006/table">
@@ -15128,45 +15132,52 @@
                 <a:tableStyleId>{5C5E4F1C-13F9-4D5A-ACF0-85943E63A805}</a:tableStyleId>
               </a:tblPr>
               <a:tblGrid>
-                <a:gridCol w="594151">
+                <a:gridCol w="534638">
                   <a:extLst>
                     <a:ext uri="{9D8B030D-6E8A-4147-A177-3AD203B41FA5}">
                       <a16:colId xmlns:a16="http://schemas.microsoft.com/office/drawing/2014/main" val="20000"/>
                     </a:ext>
                   </a:extLst>
                 </a:gridCol>
-                <a:gridCol w="1315759">
+                <a:gridCol w="1183967">
                   <a:extLst>
                     <a:ext uri="{9D8B030D-6E8A-4147-A177-3AD203B41FA5}">
                       <a16:colId xmlns:a16="http://schemas.microsoft.com/office/drawing/2014/main" val="20001"/>
                     </a:ext>
                   </a:extLst>
                 </a:gridCol>
-                <a:gridCol w="4431645">
+                <a:gridCol w="3987753">
                   <a:extLst>
                     <a:ext uri="{9D8B030D-6E8A-4147-A177-3AD203B41FA5}">
                       <a16:colId xmlns:a16="http://schemas.microsoft.com/office/drawing/2014/main" val="20002"/>
                     </a:ext>
                   </a:extLst>
                 </a:gridCol>
-                <a:gridCol w="658368">
+                <a:gridCol w="592423">
                   <a:extLst>
                     <a:ext uri="{9D8B030D-6E8A-4147-A177-3AD203B41FA5}">
                       <a16:colId xmlns:a16="http://schemas.microsoft.com/office/drawing/2014/main" val="20003"/>
                     </a:ext>
                   </a:extLst>
                 </a:gridCol>
-                <a:gridCol w="592944">
+                <a:gridCol w="533552">
                   <a:extLst>
                     <a:ext uri="{9D8B030D-6E8A-4147-A177-3AD203B41FA5}">
                       <a16:colId xmlns:a16="http://schemas.microsoft.com/office/drawing/2014/main" val="20004"/>
                     </a:ext>
                   </a:extLst>
                 </a:gridCol>
-                <a:gridCol w="951057">
+                <a:gridCol w="753552">
                   <a:extLst>
                     <a:ext uri="{9D8B030D-6E8A-4147-A177-3AD203B41FA5}">
                       <a16:colId xmlns:a16="http://schemas.microsoft.com/office/drawing/2014/main" val="1002845730"/>
+                    </a:ext>
+                  </a:extLst>
+                </a:gridCol>
+                <a:gridCol w="958038">
+                  <a:extLst>
+                    <a:ext uri="{9D8B030D-6E8A-4147-A177-3AD203B41FA5}">
+                      <a16:colId xmlns:a16="http://schemas.microsoft.com/office/drawing/2014/main" val="1914793772"/>
                     </a:ext>
                   </a:extLst>
                 </a:gridCol>
@@ -15422,6 +15433,37 @@
                   </a:txBody>
                   <a:tcPr marL="91450" marR="91450" marT="45725" marB="45725" anchor="ctr"/>
                 </a:tc>
+                <a:tc>
+                  <a:txBody>
+                    <a:bodyPr/>
+                    <a:lstStyle/>
+                    <a:p>
+                      <a:pPr marL="0" marR="0" lvl="0" indent="0" algn="ctr" rtl="0">
+                        <a:lnSpc>
+                          <a:spcPct val="100000"/>
+                        </a:lnSpc>
+                        <a:spcBef>
+                          <a:spcPts val="0"/>
+                        </a:spcBef>
+                        <a:spcAft>
+                          <a:spcPts val="0"/>
+                        </a:spcAft>
+                        <a:buClr>
+                          <a:schemeClr val="dk1"/>
+                        </a:buClr>
+                        <a:buSzPts val="1400"/>
+                        <a:buFont typeface="Calibri"/>
+                        <a:buNone/>
+                      </a:pPr>
+                      <a:r>
+                        <a:rPr lang="ko-KR" altLang="en-US" sz="1400" b="0" u="none" strike="noStrike" cap="none" dirty="0"/>
+                        <a:t>우선순위</a:t>
+                      </a:r>
+                      <a:endParaRPr sz="1400" b="0" u="none" strike="noStrike" cap="none" dirty="0"/>
+                    </a:p>
+                  </a:txBody>
+                  <a:tcPr marL="91450" marR="91450" marT="45725" marB="45725" anchor="ctr"/>
+                </a:tc>
                 <a:extLst>
                   <a:ext uri="{0D108BD9-81ED-4DB2-BD59-A6C34878D82A}">
                     <a16:rowId xmlns:a16="http://schemas.microsoft.com/office/drawing/2014/main" val="10000"/>
@@ -15620,6 +15662,32 @@
                         </a:rPr>
                         <a:t>45</a:t>
                       </a:r>
+                      <a:endParaRPr b="0" strike="noStrike" dirty="0">
+                        <a:solidFill>
+                          <a:schemeClr val="tx1"/>
+                        </a:solidFill>
+                      </a:endParaRPr>
+                    </a:p>
+                  </a:txBody>
+                  <a:tcPr marL="91450" marR="91450" marT="45725" marB="45725" anchor="ctr"/>
+                </a:tc>
+                <a:tc>
+                  <a:txBody>
+                    <a:bodyPr/>
+                    <a:lstStyle/>
+                    <a:p>
+                      <a:pPr marL="0" marR="0" lvl="0" indent="0" algn="ctr" rtl="0">
+                        <a:lnSpc>
+                          <a:spcPct val="100000"/>
+                        </a:lnSpc>
+                        <a:spcBef>
+                          <a:spcPts val="0"/>
+                        </a:spcBef>
+                        <a:spcAft>
+                          <a:spcPts val="0"/>
+                        </a:spcAft>
+                        <a:buNone/>
+                      </a:pPr>
                       <a:endParaRPr b="0" strike="noStrike" dirty="0">
                         <a:solidFill>
                           <a:schemeClr val="tx1"/>
@@ -15741,6 +15809,39 @@
                         <a:rPr lang="en-US" b="0" dirty="0"/>
                         <a:t>16</a:t>
                       </a:r>
+                    </a:p>
+                  </a:txBody>
+                  <a:tcPr marL="91450" marR="91450" marT="45725" marB="45725" anchor="ctr"/>
+                </a:tc>
+                <a:tc>
+                  <a:txBody>
+                    <a:bodyPr/>
+                    <a:lstStyle/>
+                    <a:p>
+                      <a:pPr marL="0" marR="0" lvl="0" indent="0" algn="ctr" defTabSz="914400" rtl="0" eaLnBrk="1" fontAlgn="auto" latinLnBrk="0" hangingPunct="1">
+                        <a:lnSpc>
+                          <a:spcPct val="100000"/>
+                        </a:lnSpc>
+                        <a:spcBef>
+                          <a:spcPts val="0"/>
+                        </a:spcBef>
+                        <a:spcAft>
+                          <a:spcPts val="0"/>
+                        </a:spcAft>
+                        <a:buClr>
+                          <a:srgbClr val="000000"/>
+                        </a:buClr>
+                        <a:buSzTx/>
+                        <a:buFont typeface="Arial"/>
+                        <a:buNone/>
+                        <a:tabLst/>
+                        <a:defRPr/>
+                      </a:pPr>
+                      <a:endParaRPr lang="ko-KR" altLang="en-US" sz="1400" b="0" u="none" strike="noStrike" cap="none" dirty="0">
+                        <a:solidFill>
+                          <a:schemeClr val="tx1"/>
+                        </a:solidFill>
+                      </a:endParaRPr>
                     </a:p>
                   </a:txBody>
                   <a:tcPr marL="91450" marR="91450" marT="45725" marB="45725" anchor="ctr"/>
@@ -15953,6 +16054,37 @@
                         </a:rPr>
                         <a:t>24</a:t>
                       </a:r>
+                      <a:endParaRPr sz="1400" b="0" u="none" strike="noStrike" cap="none" dirty="0">
+                        <a:solidFill>
+                          <a:schemeClr val="tx1"/>
+                        </a:solidFill>
+                      </a:endParaRPr>
+                    </a:p>
+                  </a:txBody>
+                  <a:tcPr marL="91450" marR="91450" marT="45725" marB="45725" anchor="ctr"/>
+                </a:tc>
+                <a:tc>
+                  <a:txBody>
+                    <a:bodyPr/>
+                    <a:lstStyle/>
+                    <a:p>
+                      <a:pPr marL="0" marR="0" lvl="0" indent="0" algn="ctr" rtl="0">
+                        <a:lnSpc>
+                          <a:spcPct val="100000"/>
+                        </a:lnSpc>
+                        <a:spcBef>
+                          <a:spcPts val="0"/>
+                        </a:spcBef>
+                        <a:spcAft>
+                          <a:spcPts val="0"/>
+                        </a:spcAft>
+                        <a:buClr>
+                          <a:srgbClr val="000000"/>
+                        </a:buClr>
+                        <a:buSzPts val="1400"/>
+                        <a:buFont typeface="Arial"/>
+                        <a:buNone/>
+                      </a:pPr>
                       <a:endParaRPr sz="1400" b="0" u="none" strike="noStrike" cap="none" dirty="0">
                         <a:solidFill>
                           <a:schemeClr val="tx1"/>
@@ -16186,6 +16318,37 @@
                   </a:txBody>
                   <a:tcPr marL="91450" marR="91450" marT="45725" marB="45725" anchor="ctr"/>
                 </a:tc>
+                <a:tc>
+                  <a:txBody>
+                    <a:bodyPr/>
+                    <a:lstStyle/>
+                    <a:p>
+                      <a:pPr marL="0" marR="0" lvl="0" indent="0" algn="ctr" rtl="0">
+                        <a:lnSpc>
+                          <a:spcPct val="100000"/>
+                        </a:lnSpc>
+                        <a:spcBef>
+                          <a:spcPts val="0"/>
+                        </a:spcBef>
+                        <a:spcAft>
+                          <a:spcPts val="0"/>
+                        </a:spcAft>
+                        <a:buClr>
+                          <a:srgbClr val="000000"/>
+                        </a:buClr>
+                        <a:buSzPts val="1400"/>
+                        <a:buFont typeface="Arial"/>
+                        <a:buNone/>
+                      </a:pPr>
+                      <a:endParaRPr sz="1400" b="0" u="none" strike="noStrike" cap="none" dirty="0">
+                        <a:solidFill>
+                          <a:schemeClr val="tx1"/>
+                        </a:solidFill>
+                      </a:endParaRPr>
+                    </a:p>
+                  </a:txBody>
+                  <a:tcPr marL="91450" marR="91450" marT="45725" marB="45725" anchor="ctr"/>
+                </a:tc>
                 <a:extLst>
                   <a:ext uri="{0D108BD9-81ED-4DB2-BD59-A6C34878D82A}">
                     <a16:rowId xmlns:a16="http://schemas.microsoft.com/office/drawing/2014/main" val="4108209139"/>
@@ -16298,6 +16461,17 @@
                         <a:rPr lang="en-US" b="0" dirty="0"/>
                         <a:t>3</a:t>
                       </a:r>
+                    </a:p>
+                  </a:txBody>
+                  <a:tcPr marL="91450" marR="91450" marT="45725" marB="45725" anchor="ctr"/>
+                </a:tc>
+                <a:tc>
+                  <a:txBody>
+                    <a:bodyPr/>
+                    <a:lstStyle/>
+                    <a:p>
+                      <a:pPr algn="ctr"/>
+                      <a:endParaRPr lang="en-US" b="0" dirty="0"/>
                     </a:p>
                   </a:txBody>
                   <a:tcPr marL="91450" marR="91450" marT="45725" marB="45725" anchor="ctr"/>
@@ -16433,6 +16607,17 @@
                   </a:txBody>
                   <a:tcPr marL="91450" marR="91450" marT="45725" marB="45725" anchor="ctr"/>
                 </a:tc>
+                <a:tc>
+                  <a:txBody>
+                    <a:bodyPr/>
+                    <a:lstStyle/>
+                    <a:p>
+                      <a:pPr algn="ctr"/>
+                      <a:endParaRPr lang="en-US" b="0" dirty="0"/>
+                    </a:p>
+                  </a:txBody>
+                  <a:tcPr marL="91450" marR="91450" marT="45725" marB="45725" anchor="ctr"/>
+                </a:tc>
                 <a:extLst>
                   <a:ext uri="{0D108BD9-81ED-4DB2-BD59-A6C34878D82A}">
                     <a16:rowId xmlns:a16="http://schemas.microsoft.com/office/drawing/2014/main" val="645934193"/>
@@ -16561,6 +16746,17 @@
                   </a:txBody>
                   <a:tcPr marL="91450" marR="91450" marT="45725" marB="45725" anchor="ctr"/>
                 </a:tc>
+                <a:tc>
+                  <a:txBody>
+                    <a:bodyPr/>
+                    <a:lstStyle/>
+                    <a:p>
+                      <a:pPr algn="ctr"/>
+                      <a:endParaRPr lang="en-US" dirty="0"/>
+                    </a:p>
+                  </a:txBody>
+                  <a:tcPr marL="91450" marR="91450" marT="45725" marB="45725" anchor="ctr"/>
+                </a:tc>
                 <a:extLst>
                   <a:ext uri="{0D108BD9-81ED-4DB2-BD59-A6C34878D82A}">
                     <a16:rowId xmlns:a16="http://schemas.microsoft.com/office/drawing/2014/main" val="10006"/>
@@ -16660,6 +16856,17 @@
                         <a:rPr lang="en-US" dirty="0"/>
                         <a:t>16</a:t>
                       </a:r>
+                    </a:p>
+                  </a:txBody>
+                  <a:tcPr marL="91450" marR="91450" marT="45725" marB="45725" anchor="ctr"/>
+                </a:tc>
+                <a:tc>
+                  <a:txBody>
+                    <a:bodyPr/>
+                    <a:lstStyle/>
+                    <a:p>
+                      <a:pPr algn="ctr"/>
+                      <a:endParaRPr lang="en-US" dirty="0"/>
                     </a:p>
                   </a:txBody>
                   <a:tcPr marL="91450" marR="91450" marT="45725" marB="45725" anchor="ctr"/>
@@ -16770,6 +16977,17 @@
                         <a:rPr lang="en-US" dirty="0"/>
                         <a:t>8</a:t>
                       </a:r>
+                    </a:p>
+                  </a:txBody>
+                  <a:tcPr marL="91450" marR="91450" marT="45725" marB="45725" anchor="ctr"/>
+                </a:tc>
+                <a:tc>
+                  <a:txBody>
+                    <a:bodyPr/>
+                    <a:lstStyle/>
+                    <a:p>
+                      <a:pPr algn="ctr"/>
+                      <a:endParaRPr lang="en-US" dirty="0"/>
                     </a:p>
                   </a:txBody>
                   <a:tcPr marL="91450" marR="91450" marT="45725" marB="45725" anchor="ctr"/>
@@ -16913,6 +17131,21 @@
                   </a:txBody>
                   <a:tcPr marL="91450" marR="91450" marT="45725" marB="45725" anchor="ctr"/>
                 </a:tc>
+                <a:tc>
+                  <a:txBody>
+                    <a:bodyPr/>
+                    <a:lstStyle/>
+                    <a:p>
+                      <a:pPr algn="ctr"/>
+                      <a:endParaRPr lang="en-US" b="0" dirty="0">
+                        <a:solidFill>
+                          <a:schemeClr val="tx1"/>
+                        </a:solidFill>
+                      </a:endParaRPr>
+                    </a:p>
+                  </a:txBody>
+                  <a:tcPr marL="91450" marR="91450" marT="45725" marB="45725" anchor="ctr"/>
+                </a:tc>
                 <a:extLst>
                   <a:ext uri="{0D108BD9-81ED-4DB2-BD59-A6C34878D82A}">
                     <a16:rowId xmlns:a16="http://schemas.microsoft.com/office/drawing/2014/main" val="65225266"/>
@@ -17107,6 +17340,37 @@
                         </a:rPr>
                         <a:t>125</a:t>
                       </a:r>
+                      <a:endParaRPr sz="1400" b="0" u="none" strike="noStrike" cap="none" dirty="0">
+                        <a:solidFill>
+                          <a:schemeClr val="tx1"/>
+                        </a:solidFill>
+                      </a:endParaRPr>
+                    </a:p>
+                  </a:txBody>
+                  <a:tcPr marL="91450" marR="91450" marT="45725" marB="45725" anchor="ctr"/>
+                </a:tc>
+                <a:tc>
+                  <a:txBody>
+                    <a:bodyPr/>
+                    <a:lstStyle/>
+                    <a:p>
+                      <a:pPr marL="0" marR="0" lvl="0" indent="0" algn="ctr" rtl="0">
+                        <a:lnSpc>
+                          <a:spcPct val="100000"/>
+                        </a:lnSpc>
+                        <a:spcBef>
+                          <a:spcPts val="0"/>
+                        </a:spcBef>
+                        <a:spcAft>
+                          <a:spcPts val="0"/>
+                        </a:spcAft>
+                        <a:buClr>
+                          <a:srgbClr val="000000"/>
+                        </a:buClr>
+                        <a:buSzPts val="1400"/>
+                        <a:buFont typeface="Arial"/>
+                        <a:buNone/>
+                      </a:pPr>
                       <a:endParaRPr sz="1400" b="0" u="none" strike="noStrike" cap="none" dirty="0">
                         <a:solidFill>
                           <a:schemeClr val="tx1"/>
@@ -17900,14 +18164,14 @@
           <p:nvPr>
             <p:extLst>
               <p:ext uri="{D42A27DB-BD31-4B8C-83A1-F6EECF244321}">
-                <p14:modId xmlns:p14="http://schemas.microsoft.com/office/powerpoint/2010/main" val="2338471136"/>
+                <p14:modId xmlns:p14="http://schemas.microsoft.com/office/powerpoint/2010/main" val="2693359529"/>
               </p:ext>
             </p:extLst>
           </p:nvPr>
         </p:nvGraphicFramePr>
         <p:xfrm>
           <a:off x="681037" y="1197864"/>
-          <a:ext cx="8543925" cy="4985835"/>
+          <a:ext cx="8543924" cy="4892928"/>
         </p:xfrm>
         <a:graphic>
           <a:graphicData uri="http://schemas.openxmlformats.org/drawingml/2006/table">
@@ -17917,45 +18181,52 @@
                 <a:tableStyleId>{5C5E4F1C-13F9-4D5A-ACF0-85943E63A805}</a:tableStyleId>
               </a:tblPr>
               <a:tblGrid>
-                <a:gridCol w="637989">
+                <a:gridCol w="567704">
                   <a:extLst>
                     <a:ext uri="{9D8B030D-6E8A-4147-A177-3AD203B41FA5}">
                       <a16:colId xmlns:a16="http://schemas.microsoft.com/office/drawing/2014/main" val="20000"/>
                     </a:ext>
                   </a:extLst>
                 </a:gridCol>
-                <a:gridCol w="1067558">
+                <a:gridCol w="949950">
                   <a:extLst>
                     <a:ext uri="{9D8B030D-6E8A-4147-A177-3AD203B41FA5}">
                       <a16:colId xmlns:a16="http://schemas.microsoft.com/office/drawing/2014/main" val="20001"/>
                     </a:ext>
                   </a:extLst>
                 </a:gridCol>
-                <a:gridCol w="4496048">
+                <a:gridCol w="4000737">
                   <a:extLst>
                     <a:ext uri="{9D8B030D-6E8A-4147-A177-3AD203B41FA5}">
                       <a16:colId xmlns:a16="http://schemas.microsoft.com/office/drawing/2014/main" val="20002"/>
                     </a:ext>
                   </a:extLst>
                 </a:gridCol>
-                <a:gridCol w="734029">
+                <a:gridCol w="653164">
                   <a:extLst>
                     <a:ext uri="{9D8B030D-6E8A-4147-A177-3AD203B41FA5}">
                       <a16:colId xmlns:a16="http://schemas.microsoft.com/office/drawing/2014/main" val="20003"/>
                     </a:ext>
                   </a:extLst>
                 </a:gridCol>
-                <a:gridCol w="550522">
+                <a:gridCol w="489873">
                   <a:extLst>
                     <a:ext uri="{9D8B030D-6E8A-4147-A177-3AD203B41FA5}">
                       <a16:colId xmlns:a16="http://schemas.microsoft.com/office/drawing/2014/main" val="20004"/>
                     </a:ext>
                   </a:extLst>
                 </a:gridCol>
-                <a:gridCol w="1057779">
+                <a:gridCol w="941248">
                   <a:extLst>
                     <a:ext uri="{9D8B030D-6E8A-4147-A177-3AD203B41FA5}">
                       <a16:colId xmlns:a16="http://schemas.microsoft.com/office/drawing/2014/main" val="1002845730"/>
+                    </a:ext>
+                  </a:extLst>
+                </a:gridCol>
+                <a:gridCol w="941248">
+                  <a:extLst>
+                    <a:ext uri="{9D8B030D-6E8A-4147-A177-3AD203B41FA5}">
+                      <a16:colId xmlns:a16="http://schemas.microsoft.com/office/drawing/2014/main" val="2912630544"/>
                     </a:ext>
                   </a:extLst>
                 </a:gridCol>
@@ -18211,6 +18482,37 @@
                   </a:txBody>
                   <a:tcPr marL="91450" marR="91450" marT="45725" marB="45725" anchor="ctr"/>
                 </a:tc>
+                <a:tc>
+                  <a:txBody>
+                    <a:bodyPr/>
+                    <a:lstStyle/>
+                    <a:p>
+                      <a:pPr marL="0" marR="0" lvl="0" indent="0" algn="ctr" rtl="0">
+                        <a:lnSpc>
+                          <a:spcPct val="100000"/>
+                        </a:lnSpc>
+                        <a:spcBef>
+                          <a:spcPts val="0"/>
+                        </a:spcBef>
+                        <a:spcAft>
+                          <a:spcPts val="0"/>
+                        </a:spcAft>
+                        <a:buClr>
+                          <a:schemeClr val="dk1"/>
+                        </a:buClr>
+                        <a:buSzPts val="1400"/>
+                        <a:buFont typeface="Calibri"/>
+                        <a:buNone/>
+                      </a:pPr>
+                      <a:r>
+                        <a:rPr lang="ko-KR" altLang="en-US" sz="1400" b="0" u="none" strike="noStrike" cap="none" dirty="0"/>
+                        <a:t>우선순위</a:t>
+                      </a:r>
+                      <a:endParaRPr sz="1400" b="0" u="none" strike="noStrike" cap="none" dirty="0"/>
+                    </a:p>
+                  </a:txBody>
+                  <a:tcPr marL="91450" marR="91450" marT="45725" marB="45725" anchor="ctr"/>
+                </a:tc>
                 <a:extLst>
                   <a:ext uri="{0D108BD9-81ED-4DB2-BD59-A6C34878D82A}">
                     <a16:rowId xmlns:a16="http://schemas.microsoft.com/office/drawing/2014/main" val="10000"/>
@@ -18264,14 +18566,14 @@
                       <a:r>
                         <a:rPr lang="ko-KR" altLang="en-US" sz="1400" b="0" u="none" strike="noStrike" cap="none" dirty="0">
                           <a:solidFill>
-                            <a:schemeClr val="tx1"/>
+                            <a:srgbClr val="FF0000"/>
                           </a:solidFill>
                         </a:rPr>
-                        <a:t>프로펠리</a:t>
+                        <a:t>프로펠러</a:t>
                       </a:r>
                       <a:endParaRPr sz="1400" b="0" u="none" strike="noStrike" cap="none" dirty="0">
                         <a:solidFill>
-                          <a:schemeClr val="tx1"/>
+                          <a:srgbClr val="FF0000"/>
                         </a:solidFill>
                       </a:endParaRPr>
                     </a:p>
@@ -18303,10 +18605,18 @@
                         <a:defRPr/>
                       </a:pPr>
                       <a:r>
-                        <a:rPr lang="en-US" b="0" dirty="0"/>
+                        <a:rPr lang="en-US" b="0" dirty="0">
+                          <a:solidFill>
+                            <a:srgbClr val="FF0000"/>
+                          </a:solidFill>
+                        </a:rPr>
                         <a:t>E-FLITE(Blade)</a:t>
                       </a:r>
-                      <a:endParaRPr lang="en-US" altLang="ko-KR" sz="1400" b="0" dirty="0"/>
+                      <a:endParaRPr lang="en-US" altLang="ko-KR" sz="1400" b="0" dirty="0">
+                        <a:solidFill>
+                          <a:srgbClr val="FF0000"/>
+                        </a:solidFill>
+                      </a:endParaRPr>
                     </a:p>
                   </a:txBody>
                   <a:tcPr marL="91450" marR="91450" marT="45725" marB="45725" anchor="ctr"/>
@@ -18331,14 +18641,14 @@
                       <a:r>
                         <a:rPr lang="en-US" sz="1400" b="0" u="none" strike="noStrike" cap="none" dirty="0">
                           <a:solidFill>
-                            <a:schemeClr val="tx1"/>
+                            <a:srgbClr val="FF0000"/>
                           </a:solidFill>
                         </a:rPr>
                         <a:t>0.9</a:t>
                       </a:r>
                       <a:endParaRPr sz="1400" b="0" u="none" strike="noStrike" cap="none" dirty="0">
                         <a:solidFill>
-                          <a:schemeClr val="tx1"/>
+                          <a:srgbClr val="FF0000"/>
                         </a:solidFill>
                       </a:endParaRPr>
                     </a:p>
@@ -18365,14 +18675,14 @@
                       <a:r>
                         <a:rPr lang="en-US" b="0" strike="noStrike" dirty="0">
                           <a:solidFill>
-                            <a:schemeClr val="tx1"/>
+                            <a:srgbClr val="FF0000"/>
                           </a:solidFill>
                         </a:rPr>
                         <a:t>2</a:t>
                       </a:r>
                       <a:endParaRPr b="0" strike="noStrike" dirty="0">
                         <a:solidFill>
-                          <a:schemeClr val="tx1"/>
+                          <a:srgbClr val="FF0000"/>
                         </a:solidFill>
                       </a:endParaRPr>
                     </a:p>
@@ -18404,14 +18714,53 @@
                       <a:r>
                         <a:rPr lang="en-US" sz="1400" b="0" u="none" strike="noStrike" cap="none" dirty="0">
                           <a:solidFill>
-                            <a:schemeClr val="tx1"/>
+                            <a:srgbClr val="FF0000"/>
                           </a:solidFill>
                         </a:rPr>
                         <a:t>1.8</a:t>
                       </a:r>
                       <a:endParaRPr sz="1400" b="0" u="none" strike="noStrike" cap="none" dirty="0">
                         <a:solidFill>
-                          <a:schemeClr val="tx1"/>
+                          <a:srgbClr val="FF0000"/>
+                        </a:solidFill>
+                      </a:endParaRPr>
+                    </a:p>
+                  </a:txBody>
+                  <a:tcPr marL="91450" marR="91450" marT="45725" marB="45725" anchor="ctr"/>
+                </a:tc>
+                <a:tc>
+                  <a:txBody>
+                    <a:bodyPr/>
+                    <a:lstStyle/>
+                    <a:p>
+                      <a:pPr marL="0" marR="0" lvl="0" indent="0" algn="ctr" rtl="0">
+                        <a:lnSpc>
+                          <a:spcPct val="100000"/>
+                        </a:lnSpc>
+                        <a:spcBef>
+                          <a:spcPts val="0"/>
+                        </a:spcBef>
+                        <a:spcAft>
+                          <a:spcPts val="0"/>
+                        </a:spcAft>
+                        <a:buClr>
+                          <a:srgbClr val="000000"/>
+                        </a:buClr>
+                        <a:buSzPts val="1400"/>
+                        <a:buFont typeface="Arial"/>
+                        <a:buNone/>
+                      </a:pPr>
+                      <a:r>
+                        <a:rPr lang="ko-KR" altLang="en-US" sz="1400" b="0" u="none" strike="noStrike" cap="none" dirty="0">
+                          <a:solidFill>
+                            <a:srgbClr val="FF0000"/>
+                          </a:solidFill>
+                        </a:rPr>
+                        <a:t>상</a:t>
+                      </a:r>
+                      <a:endParaRPr sz="1400" b="0" u="none" strike="noStrike" cap="none" dirty="0">
+                        <a:solidFill>
+                          <a:srgbClr val="FF0000"/>
                         </a:solidFill>
                       </a:endParaRPr>
                     </a:p>
@@ -18466,7 +18815,19 @@
                     <a:lstStyle/>
                     <a:p>
                       <a:pPr algn="ctr"/>
-                      <a:endParaRPr lang="en-US" b="0" dirty="0"/>
+                      <a:r>
+                        <a:rPr lang="ko-KR" altLang="en-US" b="0" dirty="0">
+                          <a:solidFill>
+                            <a:srgbClr val="FF0000"/>
+                          </a:solidFill>
+                        </a:rPr>
+                        <a:t>날개</a:t>
+                      </a:r>
+                      <a:endParaRPr lang="en-US" b="0" dirty="0">
+                        <a:solidFill>
+                          <a:srgbClr val="FF0000"/>
+                        </a:solidFill>
+                      </a:endParaRPr>
                     </a:p>
                   </a:txBody>
                   <a:tcPr marL="91450" marR="91450" marT="45725" marB="45725" anchor="ctr"/>
@@ -18479,7 +18840,7 @@
                       <a:r>
                         <a:rPr lang="en-US" sz="1400" b="0" i="0" u="none" strike="noStrike" cap="none" dirty="0">
                           <a:solidFill>
-                            <a:schemeClr val="dk1"/>
+                            <a:srgbClr val="FF0000"/>
                           </a:solidFill>
                           <a:effectLst/>
                           <a:latin typeface="Calibri"/>
@@ -18489,7 +18850,37 @@
                         </a:rPr>
                         <a:t>Elevon Linkage Set </a:t>
                       </a:r>
-                      <a:endParaRPr lang="ko-KR" altLang="en-US" b="0" dirty="0"/>
+                      <a:r>
+                        <a:rPr lang="en-US" sz="1400" b="0" i="0" u="none" strike="noStrike" cap="none" dirty="0" smtClean="0">
+                          <a:solidFill>
+                            <a:srgbClr val="FF0000"/>
+                          </a:solidFill>
+                          <a:effectLst/>
+                          <a:latin typeface="Calibri"/>
+                          <a:ea typeface="Calibri"/>
+                          <a:cs typeface="Calibri"/>
+                          <a:sym typeface="Arial"/>
+                        </a:rPr>
+                        <a:t>         5ea</a:t>
+                      </a:r>
+                      <a:r>
+                        <a:rPr lang="ko-KR" altLang="en-US" sz="1400" b="0" i="0" u="none" strike="noStrike" cap="none" dirty="0" smtClean="0">
+                          <a:solidFill>
+                            <a:srgbClr val="FF0000"/>
+                          </a:solidFill>
+                          <a:effectLst/>
+                          <a:latin typeface="Calibri"/>
+                          <a:ea typeface="Calibri"/>
+                          <a:cs typeface="Calibri"/>
+                          <a:sym typeface="Arial"/>
+                        </a:rPr>
+                        <a:t> 입고</a:t>
+                      </a:r>
+                      <a:endParaRPr lang="ko-KR" altLang="en-US" b="0" dirty="0">
+                        <a:solidFill>
+                          <a:srgbClr val="FF0000"/>
+                        </a:solidFill>
+                      </a:endParaRPr>
                     </a:p>
                   </a:txBody>
                   <a:tcPr marL="91450" marR="91450" marT="45725" marB="45725" anchor="ctr"/>
@@ -18501,7 +18892,11 @@
                     <a:p>
                       <a:pPr algn="r"/>
                       <a:r>
-                        <a:rPr lang="en-US" b="0" dirty="0"/>
+                        <a:rPr lang="en-US" b="0" dirty="0">
+                          <a:solidFill>
+                            <a:srgbClr val="FF0000"/>
+                          </a:solidFill>
+                        </a:rPr>
                         <a:t>0.5</a:t>
                       </a:r>
                     </a:p>
@@ -18515,7 +18910,11 @@
                     <a:p>
                       <a:pPr algn="ctr"/>
                       <a:r>
-                        <a:rPr lang="en-US" b="0" dirty="0"/>
+                        <a:rPr lang="en-US" b="0" dirty="0">
+                          <a:solidFill>
+                            <a:srgbClr val="FF0000"/>
+                          </a:solidFill>
+                        </a:rPr>
                         <a:t>2</a:t>
                       </a:r>
                     </a:p>
@@ -18529,9 +18928,45 @@
                     <a:p>
                       <a:pPr algn="ctr"/>
                       <a:r>
-                        <a:rPr lang="en-US" b="0" dirty="0"/>
+                        <a:rPr lang="en-US" b="0" dirty="0">
+                          <a:solidFill>
+                            <a:srgbClr val="FF0000"/>
+                          </a:solidFill>
+                        </a:rPr>
                         <a:t>1.0</a:t>
                       </a:r>
+                    </a:p>
+                  </a:txBody>
+                  <a:tcPr marL="91450" marR="91450" marT="45725" marB="45725" anchor="ctr"/>
+                </a:tc>
+                <a:tc>
+                  <a:txBody>
+                    <a:bodyPr/>
+                    <a:lstStyle/>
+                    <a:p>
+                      <a:pPr algn="ctr"/>
+                      <a:r>
+                        <a:rPr kumimoji="0" lang="ko-KR" altLang="en-US" sz="1400" b="0" i="0" u="none" strike="noStrike" kern="0" cap="none" spc="0" normalizeH="0" baseline="0" noProof="0" dirty="0">
+                          <a:ln>
+                            <a:noFill/>
+                          </a:ln>
+                          <a:solidFill>
+                            <a:srgbClr val="FF0000"/>
+                          </a:solidFill>
+                          <a:effectLst/>
+                          <a:uLnTx/>
+                          <a:uFillTx/>
+                          <a:latin typeface="Calibri"/>
+                          <a:cs typeface="Calibri"/>
+                          <a:sym typeface="Arial"/>
+                        </a:rPr>
+                        <a:t>상</a:t>
+                      </a:r>
+                      <a:endParaRPr lang="en-US" b="0" dirty="0">
+                        <a:solidFill>
+                          <a:srgbClr val="FF0000"/>
+                        </a:solidFill>
+                      </a:endParaRPr>
                     </a:p>
                   </a:txBody>
                   <a:tcPr marL="91450" marR="91450" marT="45725" marB="45725" anchor="ctr"/>
@@ -18607,7 +19042,7 @@
                       <a:r>
                         <a:rPr lang="en-US" sz="1400" b="0" i="0" u="none" strike="noStrike" cap="none" dirty="0">
                           <a:solidFill>
-                            <a:schemeClr val="dk1"/>
+                            <a:srgbClr val="FF0000"/>
                           </a:solidFill>
                           <a:effectLst/>
                           <a:latin typeface="Calibri"/>
@@ -18617,9 +19052,48 @@
                         </a:rPr>
                         <a:t>Nacelle Linkage Set </a:t>
                       </a:r>
+                      <a:r>
+                        <a:rPr lang="en-US" sz="1400" b="0" i="0" u="none" strike="noStrike" cap="none" dirty="0" smtClean="0">
+                          <a:solidFill>
+                            <a:srgbClr val="FF0000"/>
+                          </a:solidFill>
+                          <a:effectLst/>
+                          <a:latin typeface="Calibri"/>
+                          <a:ea typeface="Calibri"/>
+                          <a:cs typeface="Calibri"/>
+                          <a:sym typeface="Arial"/>
+                        </a:rPr>
+                        <a:t>        5</a:t>
+                      </a:r>
+                      <a:r>
+                        <a:rPr lang="en-US" altLang="ko-KR" sz="1400" b="0" i="0" u="none" strike="noStrike" cap="none" dirty="0" smtClean="0">
+                          <a:solidFill>
+                            <a:srgbClr val="FF0000"/>
+                          </a:solidFill>
+                          <a:effectLst/>
+                          <a:latin typeface="Calibri"/>
+                          <a:ea typeface="Calibri"/>
+                          <a:cs typeface="Calibri"/>
+                          <a:sym typeface="Arial"/>
+                        </a:rPr>
+                        <a:t>ea</a:t>
+                      </a:r>
+                      <a:r>
+                        <a:rPr lang="ko-KR" altLang="en-US" sz="1400" b="0" i="0" u="none" strike="noStrike" cap="none" dirty="0" smtClean="0">
+                          <a:solidFill>
+                            <a:srgbClr val="FF0000"/>
+                          </a:solidFill>
+                          <a:effectLst/>
+                          <a:latin typeface="Calibri"/>
+                          <a:ea typeface="Calibri"/>
+                          <a:cs typeface="Calibri"/>
+                          <a:sym typeface="Arial"/>
+                        </a:rPr>
+                        <a:t> 입고</a:t>
+                      </a:r>
                       <a:endParaRPr lang="ko-KR" altLang="en-US" sz="1400" b="0" i="0" u="none" strike="noStrike" cap="none" dirty="0">
                         <a:solidFill>
-                          <a:schemeClr val="dk1"/>
+                          <a:srgbClr val="FF0000"/>
                         </a:solidFill>
                         <a:effectLst/>
                         <a:latin typeface="Calibri"/>
@@ -18638,7 +19112,11 @@
                     <a:p>
                       <a:pPr algn="r"/>
                       <a:r>
-                        <a:rPr lang="en-US" b="0" dirty="0"/>
+                        <a:rPr lang="en-US" b="0" dirty="0">
+                          <a:solidFill>
+                            <a:srgbClr val="FF0000"/>
+                          </a:solidFill>
+                        </a:rPr>
                         <a:t>0.8</a:t>
                       </a:r>
                     </a:p>
@@ -18652,7 +19130,11 @@
                     <a:p>
                       <a:pPr algn="ctr"/>
                       <a:r>
-                        <a:rPr lang="en-US" b="0" dirty="0"/>
+                        <a:rPr lang="en-US" b="0" dirty="0">
+                          <a:solidFill>
+                            <a:srgbClr val="FF0000"/>
+                          </a:solidFill>
+                        </a:rPr>
                         <a:t>2</a:t>
                       </a:r>
                     </a:p>
@@ -18666,9 +19148,45 @@
                     <a:p>
                       <a:pPr algn="ctr"/>
                       <a:r>
-                        <a:rPr lang="en-US" b="0" dirty="0"/>
+                        <a:rPr lang="en-US" b="0" dirty="0">
+                          <a:solidFill>
+                            <a:srgbClr val="FF0000"/>
+                          </a:solidFill>
+                        </a:rPr>
                         <a:t>1.6</a:t>
                       </a:r>
+                    </a:p>
+                  </a:txBody>
+                  <a:tcPr marL="91450" marR="91450" marT="45725" marB="45725" anchor="ctr"/>
+                </a:tc>
+                <a:tc>
+                  <a:txBody>
+                    <a:bodyPr/>
+                    <a:lstStyle/>
+                    <a:p>
+                      <a:pPr algn="ctr"/>
+                      <a:r>
+                        <a:rPr kumimoji="0" lang="ko-KR" altLang="en-US" sz="1400" b="0" i="0" u="none" strike="noStrike" kern="0" cap="none" spc="0" normalizeH="0" baseline="0" noProof="0" dirty="0">
+                          <a:ln>
+                            <a:noFill/>
+                          </a:ln>
+                          <a:solidFill>
+                            <a:srgbClr val="FF0000"/>
+                          </a:solidFill>
+                          <a:effectLst/>
+                          <a:uLnTx/>
+                          <a:uFillTx/>
+                          <a:latin typeface="Calibri"/>
+                          <a:cs typeface="Calibri"/>
+                          <a:sym typeface="Arial"/>
+                        </a:rPr>
+                        <a:t>상</a:t>
+                      </a:r>
+                      <a:endParaRPr lang="en-US" b="0" dirty="0">
+                        <a:solidFill>
+                          <a:srgbClr val="FF0000"/>
+                        </a:solidFill>
+                      </a:endParaRPr>
                     </a:p>
                   </a:txBody>
                   <a:tcPr marL="91450" marR="91450" marT="45725" marB="45725" anchor="ctr"/>
@@ -18724,7 +19242,7 @@
                       <a:r>
                         <a:rPr lang="en-US" sz="1400" b="0" i="0" u="none" strike="noStrike" cap="none" dirty="0">
                           <a:solidFill>
-                            <a:schemeClr val="dk1"/>
+                            <a:srgbClr val="FF0000"/>
                           </a:solidFill>
                           <a:effectLst/>
                           <a:latin typeface="Calibri"/>
@@ -18734,7 +19252,76 @@
                         </a:rPr>
                         <a:t>Main Motor Mounts </a:t>
                       </a:r>
-                      <a:endParaRPr lang="en-US" dirty="0"/>
+                      <a:r>
+                        <a:rPr lang="en-US" sz="1400" b="0" i="0" u="none" strike="noStrike" cap="none" dirty="0" smtClean="0">
+                          <a:solidFill>
+                            <a:srgbClr val="FF0000"/>
+                          </a:solidFill>
+                          <a:effectLst/>
+                          <a:latin typeface="Calibri"/>
+                          <a:ea typeface="Calibri"/>
+                          <a:cs typeface="Calibri"/>
+                          <a:sym typeface="Arial"/>
+                        </a:rPr>
+                        <a:t>   </a:t>
+                      </a:r>
+                      <a:r>
+                        <a:rPr lang="en-US" sz="1400" b="0" i="0" u="none" strike="noStrike" cap="none" baseline="0" dirty="0" smtClean="0">
+                          <a:solidFill>
+                            <a:srgbClr val="FF0000"/>
+                          </a:solidFill>
+                          <a:effectLst/>
+                          <a:latin typeface="Calibri"/>
+                          <a:ea typeface="Calibri"/>
+                          <a:cs typeface="Calibri"/>
+                          <a:sym typeface="Arial"/>
+                        </a:rPr>
+                        <a:t> </a:t>
+                      </a:r>
+                      <a:r>
+                        <a:rPr lang="en-US" sz="1400" b="0" i="0" u="none" strike="noStrike" cap="none" dirty="0" smtClean="0">
+                          <a:solidFill>
+                            <a:srgbClr val="FF0000"/>
+                          </a:solidFill>
+                          <a:effectLst/>
+                          <a:latin typeface="Calibri"/>
+                          <a:ea typeface="Calibri"/>
+                          <a:cs typeface="Calibri"/>
+                          <a:sym typeface="Arial"/>
+                        </a:rPr>
+                        <a:t>  2</a:t>
+                      </a:r>
+                      <a:r>
+                        <a:rPr lang="en-US" altLang="ko-KR" sz="1400" b="0" i="0" u="none" strike="noStrike" cap="none" dirty="0" smtClean="0">
+                          <a:solidFill>
+                            <a:srgbClr val="FF0000"/>
+                          </a:solidFill>
+                          <a:effectLst/>
+                          <a:latin typeface="Calibri"/>
+                          <a:ea typeface="Calibri"/>
+                          <a:cs typeface="Calibri"/>
+                          <a:sym typeface="Arial"/>
+                        </a:rPr>
+                        <a:t>ea</a:t>
+                      </a:r>
+                      <a:r>
+                        <a:rPr lang="ko-KR" altLang="en-US" sz="1400" b="0" i="0" u="none" strike="noStrike" cap="none" dirty="0" smtClean="0">
+                          <a:solidFill>
+                            <a:srgbClr val="FF0000"/>
+                          </a:solidFill>
+                          <a:effectLst/>
+                          <a:latin typeface="Calibri"/>
+                          <a:ea typeface="Calibri"/>
+                          <a:cs typeface="Calibri"/>
+                          <a:sym typeface="Arial"/>
+                        </a:rPr>
+                        <a:t> 입고</a:t>
+                      </a:r>
+                      <a:endParaRPr lang="en-US" dirty="0">
+                        <a:solidFill>
+                          <a:srgbClr val="FF0000"/>
+                        </a:solidFill>
+                      </a:endParaRPr>
                     </a:p>
                   </a:txBody>
                   <a:tcPr marL="91450" marR="91450" marT="45725" marB="45725" anchor="ctr"/>
@@ -18746,7 +19333,11 @@
                     <a:p>
                       <a:pPr algn="r"/>
                       <a:r>
-                        <a:rPr lang="en-US" dirty="0"/>
+                        <a:rPr lang="en-US" dirty="0">
+                          <a:solidFill>
+                            <a:srgbClr val="FF0000"/>
+                          </a:solidFill>
+                        </a:rPr>
                         <a:t>1.2</a:t>
                       </a:r>
                     </a:p>
@@ -18760,7 +19351,11 @@
                     <a:p>
                       <a:pPr algn="ctr"/>
                       <a:r>
-                        <a:rPr lang="en-US" dirty="0"/>
+                        <a:rPr lang="en-US" dirty="0">
+                          <a:solidFill>
+                            <a:srgbClr val="FF0000"/>
+                          </a:solidFill>
+                        </a:rPr>
                         <a:t>2</a:t>
                       </a:r>
                     </a:p>
@@ -18774,9 +19369,45 @@
                     <a:p>
                       <a:pPr algn="ctr"/>
                       <a:r>
-                        <a:rPr lang="en-US" dirty="0"/>
+                        <a:rPr lang="en-US" dirty="0">
+                          <a:solidFill>
+                            <a:srgbClr val="FF0000"/>
+                          </a:solidFill>
+                        </a:rPr>
                         <a:t>2.4</a:t>
                       </a:r>
+                    </a:p>
+                  </a:txBody>
+                  <a:tcPr marL="91450" marR="91450" marT="45725" marB="45725" anchor="ctr"/>
+                </a:tc>
+                <a:tc>
+                  <a:txBody>
+                    <a:bodyPr/>
+                    <a:lstStyle/>
+                    <a:p>
+                      <a:pPr algn="ctr"/>
+                      <a:r>
+                        <a:rPr kumimoji="0" lang="ko-KR" altLang="en-US" sz="1400" b="0" i="0" u="none" strike="noStrike" kern="0" cap="none" spc="0" normalizeH="0" baseline="0" noProof="0" dirty="0">
+                          <a:ln>
+                            <a:noFill/>
+                          </a:ln>
+                          <a:solidFill>
+                            <a:srgbClr val="FF0000"/>
+                          </a:solidFill>
+                          <a:effectLst/>
+                          <a:uLnTx/>
+                          <a:uFillTx/>
+                          <a:latin typeface="Calibri"/>
+                          <a:cs typeface="Calibri"/>
+                          <a:sym typeface="Arial"/>
+                        </a:rPr>
+                        <a:t>상</a:t>
+                      </a:r>
+                      <a:endParaRPr lang="en-US" dirty="0">
+                        <a:solidFill>
+                          <a:srgbClr val="FF0000"/>
+                        </a:solidFill>
+                      </a:endParaRPr>
                     </a:p>
                   </a:txBody>
                   <a:tcPr marL="91450" marR="91450" marT="45725" marB="45725" anchor="ctr"/>
@@ -18832,7 +19463,7 @@
                       <a:r>
                         <a:rPr lang="en-US" sz="1400" b="0" i="0" u="none" strike="noStrike" cap="none" dirty="0">
                           <a:solidFill>
-                            <a:schemeClr val="dk1"/>
+                            <a:srgbClr val="FF0000"/>
                           </a:solidFill>
                           <a:effectLst/>
                           <a:latin typeface="Calibri"/>
@@ -18842,7 +19473,50 @@
                         </a:rPr>
                         <a:t>Nacelle 9g metal servo </a:t>
                       </a:r>
-                      <a:endParaRPr lang="en-US" u="none" dirty="0"/>
+                      <a:r>
+                        <a:rPr lang="en-US" sz="1400" b="0" i="0" u="none" strike="noStrike" cap="none" dirty="0" smtClean="0">
+                          <a:solidFill>
+                            <a:srgbClr val="FF0000"/>
+                          </a:solidFill>
+                          <a:effectLst/>
+                          <a:latin typeface="Calibri"/>
+                          <a:ea typeface="Calibri"/>
+                          <a:cs typeface="Calibri"/>
+                          <a:sym typeface="Arial"/>
+                        </a:rPr>
+                        <a:t>  9</a:t>
+                      </a:r>
+                      <a:r>
+                        <a:rPr lang="en-US" altLang="ko-KR" sz="1400" b="0" i="0" u="none" strike="noStrike" cap="none" dirty="0" smtClean="0">
+                          <a:solidFill>
+                            <a:srgbClr val="FF0000"/>
+                          </a:solidFill>
+                          <a:effectLst/>
+                          <a:latin typeface="Calibri"/>
+                          <a:ea typeface="Calibri"/>
+                          <a:cs typeface="Calibri"/>
+                          <a:sym typeface="Arial"/>
+                        </a:rPr>
+                        <a:t>ea</a:t>
+                      </a:r>
+                      <a:r>
+                        <a:rPr lang="ko-KR" altLang="en-US" sz="1400" b="0" i="0" u="none" strike="noStrike" cap="none" dirty="0" smtClean="0">
+                          <a:solidFill>
+                            <a:srgbClr val="FF0000"/>
+                          </a:solidFill>
+                          <a:effectLst/>
+                          <a:latin typeface="Calibri"/>
+                          <a:ea typeface="Calibri"/>
+                          <a:cs typeface="Calibri"/>
+                          <a:sym typeface="Arial"/>
+                        </a:rPr>
+                        <a:t> 입고</a:t>
+                      </a:r>
+                      <a:endParaRPr lang="en-US" u="none" dirty="0">
+                        <a:solidFill>
+                          <a:srgbClr val="FF0000"/>
+                        </a:solidFill>
+                      </a:endParaRPr>
                     </a:p>
                   </a:txBody>
                   <a:tcPr marL="91450" marR="91450" marT="45725" marB="45725" anchor="ctr"/>
@@ -18854,7 +19528,11 @@
                     <a:p>
                       <a:pPr algn="r"/>
                       <a:r>
-                        <a:rPr lang="en-US" dirty="0"/>
+                        <a:rPr lang="en-US" dirty="0">
+                          <a:solidFill>
+                            <a:srgbClr val="FF0000"/>
+                          </a:solidFill>
+                        </a:rPr>
                         <a:t>1.9</a:t>
                       </a:r>
                     </a:p>
@@ -18868,7 +19546,11 @@
                     <a:p>
                       <a:pPr algn="ctr"/>
                       <a:r>
-                        <a:rPr lang="en-US" dirty="0"/>
+                        <a:rPr lang="en-US" dirty="0">
+                          <a:solidFill>
+                            <a:srgbClr val="FF0000"/>
+                          </a:solidFill>
+                        </a:rPr>
                         <a:t>4</a:t>
                       </a:r>
                     </a:p>
@@ -18882,9 +19564,45 @@
                     <a:p>
                       <a:pPr algn="ctr"/>
                       <a:r>
-                        <a:rPr lang="en-US" dirty="0"/>
+                        <a:rPr lang="en-US" dirty="0">
+                          <a:solidFill>
+                            <a:srgbClr val="FF0000"/>
+                          </a:solidFill>
+                        </a:rPr>
                         <a:t>7.6</a:t>
                       </a:r>
+                    </a:p>
+                  </a:txBody>
+                  <a:tcPr marL="91450" marR="91450" marT="45725" marB="45725" anchor="ctr"/>
+                </a:tc>
+                <a:tc>
+                  <a:txBody>
+                    <a:bodyPr/>
+                    <a:lstStyle/>
+                    <a:p>
+                      <a:pPr algn="ctr"/>
+                      <a:r>
+                        <a:rPr kumimoji="0" lang="ko-KR" altLang="en-US" sz="1400" b="0" i="0" u="none" strike="noStrike" kern="0" cap="none" spc="0" normalizeH="0" baseline="0" noProof="0" dirty="0">
+                          <a:ln>
+                            <a:noFill/>
+                          </a:ln>
+                          <a:solidFill>
+                            <a:srgbClr val="FF0000"/>
+                          </a:solidFill>
+                          <a:effectLst/>
+                          <a:uLnTx/>
+                          <a:uFillTx/>
+                          <a:latin typeface="Calibri"/>
+                          <a:cs typeface="Calibri"/>
+                          <a:sym typeface="Arial"/>
+                        </a:rPr>
+                        <a:t>상</a:t>
+                      </a:r>
+                      <a:endParaRPr lang="en-US" dirty="0">
+                        <a:solidFill>
+                          <a:srgbClr val="FF0000"/>
+                        </a:solidFill>
+                      </a:endParaRPr>
                     </a:p>
                   </a:txBody>
                   <a:tcPr marL="91450" marR="91450" marT="45725" marB="45725" anchor="ctr"/>
@@ -18940,7 +19658,7 @@
                       <a:r>
                         <a:rPr lang="en-US" sz="1400" b="0" i="0" u="none" strike="noStrike" cap="none" dirty="0">
                           <a:solidFill>
-                            <a:schemeClr val="dk1"/>
+                            <a:srgbClr val="FF0000"/>
                           </a:solidFill>
                           <a:effectLst/>
                           <a:latin typeface="Calibri"/>
@@ -18950,7 +19668,50 @@
                         </a:rPr>
                         <a:t>Elevon 9g plastic servo </a:t>
                       </a:r>
-                      <a:endParaRPr lang="en-US" dirty="0"/>
+                      <a:r>
+                        <a:rPr lang="en-US" sz="1400" b="0" i="0" u="none" strike="noStrike" cap="none" dirty="0" smtClean="0">
+                          <a:solidFill>
+                            <a:srgbClr val="FF0000"/>
+                          </a:solidFill>
+                          <a:effectLst/>
+                          <a:latin typeface="Calibri"/>
+                          <a:ea typeface="Calibri"/>
+                          <a:cs typeface="Calibri"/>
+                          <a:sym typeface="Arial"/>
+                        </a:rPr>
+                        <a:t>  2</a:t>
+                      </a:r>
+                      <a:r>
+                        <a:rPr lang="en-US" altLang="ko-KR" sz="1400" b="0" i="0" u="none" strike="noStrike" cap="none" dirty="0" smtClean="0">
+                          <a:solidFill>
+                            <a:srgbClr val="FF0000"/>
+                          </a:solidFill>
+                          <a:effectLst/>
+                          <a:latin typeface="Calibri"/>
+                          <a:ea typeface="Calibri"/>
+                          <a:cs typeface="Calibri"/>
+                          <a:sym typeface="Arial"/>
+                        </a:rPr>
+                        <a:t>ea</a:t>
+                      </a:r>
+                      <a:r>
+                        <a:rPr lang="ko-KR" altLang="en-US" sz="1400" b="0" i="0" u="none" strike="noStrike" cap="none" dirty="0" smtClean="0">
+                          <a:solidFill>
+                            <a:srgbClr val="FF0000"/>
+                          </a:solidFill>
+                          <a:effectLst/>
+                          <a:latin typeface="Calibri"/>
+                          <a:ea typeface="Calibri"/>
+                          <a:cs typeface="Calibri"/>
+                          <a:sym typeface="Arial"/>
+                        </a:rPr>
+                        <a:t> 입고</a:t>
+                      </a:r>
+                      <a:endParaRPr lang="en-US" dirty="0">
+                        <a:solidFill>
+                          <a:srgbClr val="FF0000"/>
+                        </a:solidFill>
+                      </a:endParaRPr>
                     </a:p>
                   </a:txBody>
                   <a:tcPr marL="91450" marR="91450" marT="45725" marB="45725" anchor="ctr"/>
@@ -18962,7 +19723,11 @@
                     <a:p>
                       <a:pPr algn="r"/>
                       <a:r>
-                        <a:rPr lang="en-US" dirty="0"/>
+                        <a:rPr lang="en-US" dirty="0">
+                          <a:solidFill>
+                            <a:srgbClr val="FF0000"/>
+                          </a:solidFill>
+                        </a:rPr>
                         <a:t>1.2</a:t>
                       </a:r>
                     </a:p>
@@ -18976,7 +19741,11 @@
                     <a:p>
                       <a:pPr algn="ctr"/>
                       <a:r>
-                        <a:rPr lang="en-US" dirty="0"/>
+                        <a:rPr lang="en-US" dirty="0">
+                          <a:solidFill>
+                            <a:srgbClr val="FF0000"/>
+                          </a:solidFill>
+                        </a:rPr>
                         <a:t>2</a:t>
                       </a:r>
                     </a:p>
@@ -18990,9 +19759,45 @@
                     <a:p>
                       <a:pPr algn="ctr"/>
                       <a:r>
-                        <a:rPr lang="en-US" dirty="0"/>
+                        <a:rPr lang="en-US" dirty="0">
+                          <a:solidFill>
+                            <a:srgbClr val="FF0000"/>
+                          </a:solidFill>
+                        </a:rPr>
                         <a:t>2.4</a:t>
                       </a:r>
+                    </a:p>
+                  </a:txBody>
+                  <a:tcPr marL="91450" marR="91450" marT="45725" marB="45725" anchor="ctr"/>
+                </a:tc>
+                <a:tc>
+                  <a:txBody>
+                    <a:bodyPr/>
+                    <a:lstStyle/>
+                    <a:p>
+                      <a:pPr algn="ctr"/>
+                      <a:r>
+                        <a:rPr kumimoji="0" lang="ko-KR" altLang="en-US" sz="1400" b="0" i="0" u="none" strike="noStrike" kern="0" cap="none" spc="0" normalizeH="0" baseline="0" noProof="0" dirty="0">
+                          <a:ln>
+                            <a:noFill/>
+                          </a:ln>
+                          <a:solidFill>
+                            <a:srgbClr val="FF0000"/>
+                          </a:solidFill>
+                          <a:effectLst/>
+                          <a:uLnTx/>
+                          <a:uFillTx/>
+                          <a:latin typeface="Calibri"/>
+                          <a:cs typeface="Calibri"/>
+                          <a:sym typeface="Arial"/>
+                        </a:rPr>
+                        <a:t>상</a:t>
+                      </a:r>
+                      <a:endParaRPr lang="en-US" dirty="0">
+                        <a:solidFill>
+                          <a:srgbClr val="FF0000"/>
+                        </a:solidFill>
+                      </a:endParaRPr>
                     </a:p>
                   </a:txBody>
                   <a:tcPr marL="91450" marR="91450" marT="45725" marB="45725" anchor="ctr"/>
@@ -19048,7 +19853,7 @@
                       <a:r>
                         <a:rPr lang="en-US" sz="1400" b="0" i="0" u="none" strike="noStrike" cap="none" dirty="0">
                           <a:solidFill>
-                            <a:schemeClr val="dk1"/>
+                            <a:srgbClr val="FF0000"/>
                           </a:solidFill>
                           <a:effectLst/>
                           <a:latin typeface="Calibri"/>
@@ -19056,9 +19861,52 @@
                           <a:cs typeface="Calibri"/>
                           <a:sym typeface="Arial"/>
                         </a:rPr>
-                        <a:t>ESC 20A</a:t>
+                        <a:t>ESC </a:t>
                       </a:r>
-                      <a:endParaRPr lang="en-US" dirty="0"/>
+                      <a:r>
+                        <a:rPr lang="en-US" sz="1400" b="0" i="0" u="none" strike="noStrike" cap="none" dirty="0" smtClean="0">
+                          <a:solidFill>
+                            <a:srgbClr val="FF0000"/>
+                          </a:solidFill>
+                          <a:effectLst/>
+                          <a:latin typeface="Calibri"/>
+                          <a:ea typeface="Calibri"/>
+                          <a:cs typeface="Calibri"/>
+                          <a:sym typeface="Arial"/>
+                        </a:rPr>
+                        <a:t>20A                              3</a:t>
+                      </a:r>
+                      <a:r>
+                        <a:rPr lang="en-US" altLang="ko-KR" sz="1400" b="0" i="0" u="none" strike="noStrike" cap="none" dirty="0" smtClean="0">
+                          <a:solidFill>
+                            <a:srgbClr val="FF0000"/>
+                          </a:solidFill>
+                          <a:effectLst/>
+                          <a:latin typeface="Calibri"/>
+                          <a:ea typeface="Calibri"/>
+                          <a:cs typeface="Calibri"/>
+                          <a:sym typeface="Arial"/>
+                        </a:rPr>
+                        <a:t>ea</a:t>
+                      </a:r>
+                      <a:r>
+                        <a:rPr lang="ko-KR" altLang="en-US" sz="1400" b="0" i="0" u="none" strike="noStrike" cap="none" dirty="0" smtClean="0">
+                          <a:solidFill>
+                            <a:srgbClr val="FF0000"/>
+                          </a:solidFill>
+                          <a:effectLst/>
+                          <a:latin typeface="Calibri"/>
+                          <a:ea typeface="Calibri"/>
+                          <a:cs typeface="Calibri"/>
+                          <a:sym typeface="Arial"/>
+                        </a:rPr>
+                        <a:t> 입고</a:t>
+                      </a:r>
+                      <a:endParaRPr lang="en-US" dirty="0">
+                        <a:solidFill>
+                          <a:srgbClr val="FF0000"/>
+                        </a:solidFill>
+                      </a:endParaRPr>
                     </a:p>
                   </a:txBody>
                   <a:tcPr marL="91450" marR="91450" marT="45725" marB="45725" anchor="ctr"/>
@@ -19070,7 +19918,11 @@
                     <a:p>
                       <a:pPr algn="r"/>
                       <a:r>
-                        <a:rPr lang="en-US" dirty="0"/>
+                        <a:rPr lang="en-US" dirty="0">
+                          <a:solidFill>
+                            <a:srgbClr val="FF0000"/>
+                          </a:solidFill>
+                        </a:rPr>
                         <a:t>2.6</a:t>
                       </a:r>
                     </a:p>
@@ -19084,7 +19936,11 @@
                     <a:p>
                       <a:pPr algn="ctr"/>
                       <a:r>
-                        <a:rPr lang="en-US" dirty="0"/>
+                        <a:rPr lang="en-US" dirty="0">
+                          <a:solidFill>
+                            <a:srgbClr val="FF0000"/>
+                          </a:solidFill>
+                        </a:rPr>
                         <a:t>4</a:t>
                       </a:r>
                     </a:p>
@@ -19098,9 +19954,45 @@
                     <a:p>
                       <a:pPr algn="ctr"/>
                       <a:r>
-                        <a:rPr lang="en-US" dirty="0"/>
+                        <a:rPr lang="en-US" dirty="0">
+                          <a:solidFill>
+                            <a:srgbClr val="FF0000"/>
+                          </a:solidFill>
+                        </a:rPr>
                         <a:t>5.2</a:t>
                       </a:r>
+                    </a:p>
+                  </a:txBody>
+                  <a:tcPr marL="91450" marR="91450" marT="45725" marB="45725" anchor="ctr"/>
+                </a:tc>
+                <a:tc>
+                  <a:txBody>
+                    <a:bodyPr/>
+                    <a:lstStyle/>
+                    <a:p>
+                      <a:pPr algn="ctr"/>
+                      <a:r>
+                        <a:rPr kumimoji="0" lang="ko-KR" altLang="en-US" sz="1400" b="0" i="0" u="none" strike="noStrike" kern="0" cap="none" spc="0" normalizeH="0" baseline="0" noProof="0" dirty="0">
+                          <a:ln>
+                            <a:noFill/>
+                          </a:ln>
+                          <a:solidFill>
+                            <a:srgbClr val="FF0000"/>
+                          </a:solidFill>
+                          <a:effectLst/>
+                          <a:uLnTx/>
+                          <a:uFillTx/>
+                          <a:latin typeface="Calibri"/>
+                          <a:cs typeface="Calibri"/>
+                          <a:sym typeface="Arial"/>
+                        </a:rPr>
+                        <a:t>상</a:t>
+                      </a:r>
+                      <a:endParaRPr lang="en-US" dirty="0">
+                        <a:solidFill>
+                          <a:srgbClr val="FF0000"/>
+                        </a:solidFill>
+                      </a:endParaRPr>
                     </a:p>
                   </a:txBody>
                   <a:tcPr marL="91450" marR="91450" marT="45725" marB="45725" anchor="ctr"/>
@@ -19111,7 +20003,7 @@
                   </a:ext>
                 </a:extLst>
               </a:tr>
-              <a:tr h="466792">
+              <a:tr h="373885">
                 <a:tc>
                   <a:txBody>
                     <a:bodyPr/>
@@ -19211,6 +20103,34 @@
                   </a:txBody>
                   <a:tcPr marL="91450" marR="91450" marT="45725" marB="45725" anchor="ctr"/>
                 </a:tc>
+                <a:tc>
+                  <a:txBody>
+                    <a:bodyPr/>
+                    <a:lstStyle/>
+                    <a:p>
+                      <a:pPr algn="ctr"/>
+                      <a:r>
+                        <a:rPr kumimoji="0" lang="ko-KR" altLang="en-US" sz="1400" b="0" i="0" u="none" strike="noStrike" kern="0" cap="none" spc="0" normalizeH="0" baseline="0" noProof="0">
+                          <a:ln>
+                            <a:noFill/>
+                          </a:ln>
+                          <a:solidFill>
+                            <a:srgbClr val="000000"/>
+                          </a:solidFill>
+                          <a:effectLst/>
+                          <a:uLnTx/>
+                          <a:uFillTx/>
+                          <a:latin typeface="Calibri"/>
+                          <a:cs typeface="Calibri"/>
+                          <a:sym typeface="Arial"/>
+                        </a:rPr>
+                        <a:t>상</a:t>
+                      </a:r>
+                      <a:endParaRPr lang="en-US" dirty="0"/>
+                    </a:p>
+                  </a:txBody>
+                  <a:tcPr marL="91450" marR="91450" marT="45725" marB="45725" anchor="ctr"/>
+                </a:tc>
                 <a:extLst>
                   <a:ext uri="{0D108BD9-81ED-4DB2-BD59-A6C34878D82A}">
                     <a16:rowId xmlns:a16="http://schemas.microsoft.com/office/drawing/2014/main" val="2907811349"/>
@@ -19267,7 +20187,7 @@
                       <a:r>
                         <a:rPr lang="en-US" sz="1400" b="0" i="0" u="none" strike="noStrike" cap="none" dirty="0">
                           <a:solidFill>
-                            <a:schemeClr val="dk1"/>
+                            <a:srgbClr val="FF0000"/>
                           </a:solidFill>
                           <a:effectLst/>
                           <a:latin typeface="Calibri"/>
@@ -19275,11 +20195,76 @@
                           <a:cs typeface="Calibri"/>
                           <a:sym typeface="Arial"/>
                         </a:rPr>
-                        <a:t>Servo Arms (4) </a:t>
+                        <a:t>Servo Arms (4</a:t>
+                      </a:r>
+                      <a:r>
+                        <a:rPr lang="en-US" sz="1400" b="0" i="0" u="none" strike="noStrike" cap="none">
+                          <a:solidFill>
+                            <a:srgbClr val="FF0000"/>
+                          </a:solidFill>
+                          <a:effectLst/>
+                          <a:latin typeface="Calibri"/>
+                          <a:ea typeface="Calibri"/>
+                          <a:cs typeface="Calibri"/>
+                          <a:sym typeface="Arial"/>
+                        </a:rPr>
+                        <a:t>) </a:t>
+                      </a:r>
+                      <a:r>
+                        <a:rPr lang="en-US" sz="1400" b="0" i="0" u="none" strike="noStrike" cap="none" smtClean="0">
+                          <a:solidFill>
+                            <a:srgbClr val="FF0000"/>
+                          </a:solidFill>
+                          <a:effectLst/>
+                          <a:latin typeface="Calibri"/>
+                          <a:ea typeface="Calibri"/>
+                          <a:cs typeface="Calibri"/>
+                          <a:sym typeface="Arial"/>
+                        </a:rPr>
+                        <a:t>                 2</a:t>
+                      </a:r>
+                      <a:r>
+                        <a:rPr lang="en-US" altLang="ko-KR" sz="1400" b="0" i="0" u="none" strike="noStrike" cap="none" smtClean="0">
+                          <a:solidFill>
+                            <a:srgbClr val="FF0000"/>
+                          </a:solidFill>
+                          <a:effectLst/>
+                          <a:latin typeface="Calibri"/>
+                          <a:ea typeface="Calibri"/>
+                          <a:cs typeface="Calibri"/>
+                          <a:sym typeface="Arial"/>
+                        </a:rPr>
+                        <a:t>ea</a:t>
+                      </a:r>
+                      <a:r>
+                        <a:rPr lang="ko-KR" altLang="en-US" sz="1400" b="0" i="0" u="none" strike="noStrike" cap="none" smtClean="0">
+                          <a:solidFill>
+                            <a:srgbClr val="FF0000"/>
+                          </a:solidFill>
+                          <a:effectLst/>
+                          <a:latin typeface="Calibri"/>
+                          <a:ea typeface="Calibri"/>
+                          <a:cs typeface="Calibri"/>
+                          <a:sym typeface="Arial"/>
+                        </a:rPr>
+                        <a:t> </a:t>
+                      </a:r>
+                      <a:r>
+                        <a:rPr lang="ko-KR" altLang="en-US" sz="1400" b="0" i="0" u="none" strike="noStrike" cap="none" dirty="0" smtClean="0">
+                          <a:solidFill>
+                            <a:srgbClr val="FF0000"/>
+                          </a:solidFill>
+                          <a:effectLst/>
+                          <a:latin typeface="Calibri"/>
+                          <a:ea typeface="Calibri"/>
+                          <a:cs typeface="Calibri"/>
+                          <a:sym typeface="Arial"/>
+                        </a:rPr>
+                        <a:t>입고</a:t>
                       </a:r>
                       <a:endParaRPr lang="en-US" b="0" dirty="0">
                         <a:solidFill>
-                          <a:schemeClr val="tx1"/>
+                          <a:srgbClr val="FF0000"/>
                         </a:solidFill>
                       </a:endParaRPr>
                     </a:p>
@@ -19295,7 +20280,7 @@
                       <a:r>
                         <a:rPr lang="en-US" b="0" dirty="0">
                           <a:solidFill>
-                            <a:schemeClr val="tx1"/>
+                            <a:srgbClr val="FF0000"/>
                           </a:solidFill>
                         </a:rPr>
                         <a:t>0.4</a:t>
@@ -19313,7 +20298,7 @@
                       <a:r>
                         <a:rPr lang="en-US" b="0" dirty="0">
                           <a:solidFill>
-                            <a:schemeClr val="tx1"/>
+                            <a:srgbClr val="FF0000"/>
                           </a:solidFill>
                         </a:rPr>
                         <a:t>4</a:t>
@@ -19331,11 +20316,43 @@
                       <a:r>
                         <a:rPr lang="en-US" b="0" dirty="0">
                           <a:solidFill>
-                            <a:schemeClr val="tx1"/>
+                            <a:srgbClr val="FF0000"/>
                           </a:solidFill>
                         </a:rPr>
                         <a:t>0.8</a:t>
                       </a:r>
+                    </a:p>
+                  </a:txBody>
+                  <a:tcPr marL="91450" marR="91450" marT="45725" marB="45725" anchor="ctr"/>
+                </a:tc>
+                <a:tc>
+                  <a:txBody>
+                    <a:bodyPr/>
+                    <a:lstStyle/>
+                    <a:p>
+                      <a:pPr algn="ctr"/>
+                      <a:r>
+                        <a:rPr kumimoji="0" lang="ko-KR" altLang="en-US" sz="1400" b="0" i="0" u="none" strike="noStrike" kern="0" cap="none" spc="0" normalizeH="0" baseline="0" noProof="0" dirty="0">
+                          <a:ln>
+                            <a:noFill/>
+                          </a:ln>
+                          <a:solidFill>
+                            <a:srgbClr val="FF0000"/>
+                          </a:solidFill>
+                          <a:effectLst/>
+                          <a:uLnTx/>
+                          <a:uFillTx/>
+                          <a:latin typeface="Calibri"/>
+                          <a:cs typeface="Calibri"/>
+                          <a:sym typeface="Arial"/>
+                        </a:rPr>
+                        <a:t>상</a:t>
+                      </a:r>
+                      <a:endParaRPr lang="en-US" b="0" dirty="0">
+                        <a:solidFill>
+                          <a:srgbClr val="FF0000"/>
+                        </a:solidFill>
+                      </a:endParaRPr>
                     </a:p>
                   </a:txBody>
                   <a:tcPr marL="91450" marR="91450" marT="45725" marB="45725" anchor="ctr"/>
@@ -19500,6 +20517,38 @@
                   </a:txBody>
                   <a:tcPr marL="91450" marR="91450" marT="45725" marB="45725" anchor="ctr"/>
                 </a:tc>
+                <a:tc>
+                  <a:txBody>
+                    <a:bodyPr/>
+                    <a:lstStyle/>
+                    <a:p>
+                      <a:pPr algn="ctr"/>
+                      <a:r>
+                        <a:rPr kumimoji="0" lang="ko-KR" altLang="en-US" sz="1400" b="0" i="0" u="none" strike="noStrike" kern="0" cap="none" spc="0" normalizeH="0" baseline="0" noProof="0" dirty="0">
+                          <a:ln>
+                            <a:noFill/>
+                          </a:ln>
+                          <a:solidFill>
+                            <a:srgbClr val="000000"/>
+                          </a:solidFill>
+                          <a:effectLst/>
+                          <a:uLnTx/>
+                          <a:uFillTx/>
+                          <a:latin typeface="Calibri"/>
+                          <a:cs typeface="Calibri"/>
+                          <a:sym typeface="Arial"/>
+                        </a:rPr>
+                        <a:t>상</a:t>
+                      </a:r>
+                      <a:endParaRPr lang="en-US" b="0" dirty="0">
+                        <a:solidFill>
+                          <a:schemeClr val="tx1"/>
+                        </a:solidFill>
+                      </a:endParaRPr>
+                    </a:p>
+                  </a:txBody>
+                  <a:tcPr marL="91450" marR="91450" marT="45725" marB="45725" anchor="ctr"/>
+                </a:tc>
                 <a:extLst>
                   <a:ext uri="{0D108BD9-81ED-4DB2-BD59-A6C34878D82A}">
                     <a16:rowId xmlns:a16="http://schemas.microsoft.com/office/drawing/2014/main" val="2685096763"/>
@@ -19639,6 +20688,21 @@
                   </a:txBody>
                   <a:tcPr marL="91450" marR="91450" marT="45725" marB="45725" anchor="ctr"/>
                 </a:tc>
+                <a:tc>
+                  <a:txBody>
+                    <a:bodyPr/>
+                    <a:lstStyle/>
+                    <a:p>
+                      <a:pPr algn="ctr"/>
+                      <a:endParaRPr lang="en-US" b="0" dirty="0">
+                        <a:solidFill>
+                          <a:schemeClr val="tx1"/>
+                        </a:solidFill>
+                      </a:endParaRPr>
+                    </a:p>
+                  </a:txBody>
+                  <a:tcPr marL="91450" marR="91450" marT="45725" marB="45725" anchor="ctr"/>
+                </a:tc>
                 <a:extLst>
                   <a:ext uri="{0D108BD9-81ED-4DB2-BD59-A6C34878D82A}">
                     <a16:rowId xmlns:a16="http://schemas.microsoft.com/office/drawing/2014/main" val="3429304892"/>
@@ -19725,6 +20789,21 @@
                     <a:lstStyle/>
                     <a:p>
                       <a:endParaRPr lang="en-US" dirty="0"/>
+                    </a:p>
+                  </a:txBody>
+                  <a:tcPr marL="91450" marR="91450" marT="45725" marB="45725" anchor="ctr"/>
+                </a:tc>
+                <a:tc>
+                  <a:txBody>
+                    <a:bodyPr/>
+                    <a:lstStyle/>
+                    <a:p>
+                      <a:pPr algn="ctr"/>
+                      <a:endParaRPr lang="en-US" b="0" dirty="0">
+                        <a:solidFill>
+                          <a:schemeClr val="tx1"/>
+                        </a:solidFill>
+                      </a:endParaRPr>
                     </a:p>
                   </a:txBody>
                   <a:tcPr marL="91450" marR="91450" marT="45725" marB="45725" anchor="ctr"/>
@@ -19938,6 +21017,37 @@
                         </a:rPr>
                         <a:t>37.2</a:t>
                       </a:r>
+                      <a:endParaRPr sz="1400" b="0" u="none" strike="noStrike" cap="none" dirty="0">
+                        <a:solidFill>
+                          <a:schemeClr val="tx1"/>
+                        </a:solidFill>
+                      </a:endParaRPr>
+                    </a:p>
+                  </a:txBody>
+                  <a:tcPr marL="91450" marR="91450" marT="45725" marB="45725" anchor="ctr"/>
+                </a:tc>
+                <a:tc>
+                  <a:txBody>
+                    <a:bodyPr/>
+                    <a:lstStyle/>
+                    <a:p>
+                      <a:pPr marL="0" marR="0" lvl="0" indent="0" algn="ctr" rtl="0">
+                        <a:lnSpc>
+                          <a:spcPct val="100000"/>
+                        </a:lnSpc>
+                        <a:spcBef>
+                          <a:spcPts val="0"/>
+                        </a:spcBef>
+                        <a:spcAft>
+                          <a:spcPts val="0"/>
+                        </a:spcAft>
+                        <a:buClr>
+                          <a:srgbClr val="000000"/>
+                        </a:buClr>
+                        <a:buSzPts val="1400"/>
+                        <a:buFont typeface="Arial"/>
+                        <a:buNone/>
+                      </a:pPr>
                       <a:endParaRPr sz="1400" b="0" u="none" strike="noStrike" cap="none" dirty="0">
                         <a:solidFill>
                           <a:schemeClr val="tx1"/>
@@ -20129,6 +21239,600 @@
           </a:prstGeom>
         </p:spPr>
       </p:pic>
+      <p:sp>
+        <p:nvSpPr>
+          <p:cNvPr id="7" name="TextBox 6"/>
+          <p:cNvSpPr txBox="1"/>
+          <p:nvPr/>
+        </p:nvSpPr>
+        <p:spPr>
+          <a:xfrm>
+            <a:off x="3623733" y="4251671"/>
+            <a:ext cx="546100" cy="900246"/>
+          </a:xfrm>
+          <a:prstGeom prst="rect">
+            <a:avLst/>
+          </a:prstGeom>
+          <a:noFill/>
+          <a:ln w="15875">
+            <a:solidFill>
+              <a:srgbClr val="FF0000"/>
+            </a:solidFill>
+          </a:ln>
+        </p:spPr>
+        <p:txBody>
+          <a:bodyPr wrap="square" rtlCol="0">
+            <a:spAutoFit/>
+          </a:bodyPr>
+          <a:lstStyle/>
+          <a:p>
+            <a:r>
+              <a:rPr lang="en-US" altLang="ko-KR" sz="1050" dirty="0" smtClean="0">
+                <a:solidFill>
+                  <a:srgbClr val="FF0000"/>
+                </a:solidFill>
+              </a:rPr>
+              <a:t>9ea</a:t>
+            </a:r>
+          </a:p>
+          <a:p>
+            <a:endParaRPr lang="en-US" altLang="ko-KR" sz="1050" dirty="0">
+              <a:solidFill>
+                <a:srgbClr val="FF0000"/>
+              </a:solidFill>
+            </a:endParaRPr>
+          </a:p>
+          <a:p>
+            <a:endParaRPr lang="en-US" altLang="ko-KR" sz="1050" dirty="0" smtClean="0">
+              <a:solidFill>
+                <a:srgbClr val="FF0000"/>
+              </a:solidFill>
+            </a:endParaRPr>
+          </a:p>
+          <a:p>
+            <a:endParaRPr lang="en-US" altLang="ko-KR" sz="1050" dirty="0" smtClean="0">
+              <a:solidFill>
+                <a:srgbClr val="FF0000"/>
+              </a:solidFill>
+            </a:endParaRPr>
+          </a:p>
+          <a:p>
+            <a:endParaRPr lang="en-US" altLang="ko-KR" sz="1050" dirty="0">
+              <a:solidFill>
+                <a:srgbClr val="FF0000"/>
+              </a:solidFill>
+            </a:endParaRPr>
+          </a:p>
+        </p:txBody>
+      </p:sp>
+      <p:sp>
+        <p:nvSpPr>
+          <p:cNvPr id="8" name="TextBox 7"/>
+          <p:cNvSpPr txBox="1"/>
+          <p:nvPr/>
+        </p:nvSpPr>
+        <p:spPr>
+          <a:xfrm>
+            <a:off x="5274414" y="3242903"/>
+            <a:ext cx="592985" cy="900246"/>
+          </a:xfrm>
+          <a:prstGeom prst="rect">
+            <a:avLst/>
+          </a:prstGeom>
+          <a:noFill/>
+          <a:ln w="15875">
+            <a:solidFill>
+              <a:srgbClr val="FF0000"/>
+            </a:solidFill>
+          </a:ln>
+        </p:spPr>
+        <p:txBody>
+          <a:bodyPr wrap="square" rtlCol="0">
+            <a:spAutoFit/>
+          </a:bodyPr>
+          <a:lstStyle/>
+          <a:p>
+            <a:r>
+              <a:rPr lang="en-US" altLang="ko-KR" sz="1050" dirty="0" smtClean="0">
+                <a:solidFill>
+                  <a:srgbClr val="FF0000"/>
+                </a:solidFill>
+              </a:rPr>
+              <a:t>5ea</a:t>
+            </a:r>
+          </a:p>
+          <a:p>
+            <a:endParaRPr lang="en-US" altLang="ko-KR" sz="1050" dirty="0">
+              <a:solidFill>
+                <a:srgbClr val="FF0000"/>
+              </a:solidFill>
+            </a:endParaRPr>
+          </a:p>
+          <a:p>
+            <a:endParaRPr lang="en-US" altLang="ko-KR" sz="1050" dirty="0" smtClean="0">
+              <a:solidFill>
+                <a:srgbClr val="FF0000"/>
+              </a:solidFill>
+            </a:endParaRPr>
+          </a:p>
+          <a:p>
+            <a:endParaRPr lang="en-US" altLang="ko-KR" sz="1050" dirty="0" smtClean="0">
+              <a:solidFill>
+                <a:srgbClr val="FF0000"/>
+              </a:solidFill>
+            </a:endParaRPr>
+          </a:p>
+          <a:p>
+            <a:endParaRPr lang="en-US" altLang="ko-KR" sz="1050" dirty="0">
+              <a:solidFill>
+                <a:srgbClr val="FF0000"/>
+              </a:solidFill>
+            </a:endParaRPr>
+          </a:p>
+        </p:txBody>
+      </p:sp>
+      <p:sp>
+        <p:nvSpPr>
+          <p:cNvPr id="9" name="TextBox 8"/>
+          <p:cNvSpPr txBox="1"/>
+          <p:nvPr/>
+        </p:nvSpPr>
+        <p:spPr>
+          <a:xfrm>
+            <a:off x="5867399" y="3243073"/>
+            <a:ext cx="546100" cy="900246"/>
+          </a:xfrm>
+          <a:prstGeom prst="rect">
+            <a:avLst/>
+          </a:prstGeom>
+          <a:noFill/>
+          <a:ln w="15875">
+            <a:solidFill>
+              <a:srgbClr val="FF0000"/>
+            </a:solidFill>
+          </a:ln>
+        </p:spPr>
+        <p:txBody>
+          <a:bodyPr wrap="square" rtlCol="0">
+            <a:spAutoFit/>
+          </a:bodyPr>
+          <a:lstStyle/>
+          <a:p>
+            <a:r>
+              <a:rPr lang="en-US" altLang="ko-KR" sz="1050" dirty="0" smtClean="0">
+                <a:solidFill>
+                  <a:srgbClr val="FF0000"/>
+                </a:solidFill>
+              </a:rPr>
+              <a:t>5ea</a:t>
+            </a:r>
+          </a:p>
+          <a:p>
+            <a:endParaRPr lang="en-US" altLang="ko-KR" sz="1050" dirty="0">
+              <a:solidFill>
+                <a:srgbClr val="FF0000"/>
+              </a:solidFill>
+            </a:endParaRPr>
+          </a:p>
+          <a:p>
+            <a:endParaRPr lang="en-US" altLang="ko-KR" sz="1050" dirty="0" smtClean="0">
+              <a:solidFill>
+                <a:srgbClr val="FF0000"/>
+              </a:solidFill>
+            </a:endParaRPr>
+          </a:p>
+          <a:p>
+            <a:endParaRPr lang="en-US" altLang="ko-KR" sz="1050" dirty="0" smtClean="0">
+              <a:solidFill>
+                <a:srgbClr val="FF0000"/>
+              </a:solidFill>
+            </a:endParaRPr>
+          </a:p>
+          <a:p>
+            <a:endParaRPr lang="en-US" altLang="ko-KR" sz="1050" dirty="0">
+              <a:solidFill>
+                <a:srgbClr val="FF0000"/>
+              </a:solidFill>
+            </a:endParaRPr>
+          </a:p>
+        </p:txBody>
+      </p:sp>
+      <p:sp>
+        <p:nvSpPr>
+          <p:cNvPr id="10" name="TextBox 9"/>
+          <p:cNvSpPr txBox="1"/>
+          <p:nvPr/>
+        </p:nvSpPr>
+        <p:spPr>
+          <a:xfrm>
+            <a:off x="6425880" y="3242903"/>
+            <a:ext cx="546100" cy="900246"/>
+          </a:xfrm>
+          <a:prstGeom prst="rect">
+            <a:avLst/>
+          </a:prstGeom>
+          <a:noFill/>
+          <a:ln w="15875">
+            <a:solidFill>
+              <a:srgbClr val="FF0000"/>
+            </a:solidFill>
+          </a:ln>
+        </p:spPr>
+        <p:txBody>
+          <a:bodyPr wrap="square" rtlCol="0">
+            <a:spAutoFit/>
+          </a:bodyPr>
+          <a:lstStyle/>
+          <a:p>
+            <a:r>
+              <a:rPr lang="en-US" altLang="ko-KR" sz="1050" dirty="0" smtClean="0">
+                <a:solidFill>
+                  <a:srgbClr val="FF0000"/>
+                </a:solidFill>
+              </a:rPr>
+              <a:t>2ea</a:t>
+            </a:r>
+          </a:p>
+          <a:p>
+            <a:endParaRPr lang="en-US" altLang="ko-KR" sz="1050" dirty="0">
+              <a:solidFill>
+                <a:srgbClr val="FF0000"/>
+              </a:solidFill>
+            </a:endParaRPr>
+          </a:p>
+          <a:p>
+            <a:endParaRPr lang="en-US" altLang="ko-KR" sz="1050" dirty="0" smtClean="0">
+              <a:solidFill>
+                <a:srgbClr val="FF0000"/>
+              </a:solidFill>
+            </a:endParaRPr>
+          </a:p>
+          <a:p>
+            <a:endParaRPr lang="en-US" altLang="ko-KR" sz="1050" dirty="0" smtClean="0">
+              <a:solidFill>
+                <a:srgbClr val="FF0000"/>
+              </a:solidFill>
+            </a:endParaRPr>
+          </a:p>
+          <a:p>
+            <a:endParaRPr lang="en-US" altLang="ko-KR" sz="1050" dirty="0">
+              <a:solidFill>
+                <a:srgbClr val="FF0000"/>
+              </a:solidFill>
+            </a:endParaRPr>
+          </a:p>
+        </p:txBody>
+      </p:sp>
+      <p:sp>
+        <p:nvSpPr>
+          <p:cNvPr id="11" name="TextBox 10"/>
+          <p:cNvSpPr txBox="1"/>
+          <p:nvPr/>
+        </p:nvSpPr>
+        <p:spPr>
+          <a:xfrm>
+            <a:off x="3623733" y="3213099"/>
+            <a:ext cx="546100" cy="900246"/>
+          </a:xfrm>
+          <a:prstGeom prst="rect">
+            <a:avLst/>
+          </a:prstGeom>
+          <a:noFill/>
+          <a:ln w="15875">
+            <a:solidFill>
+              <a:srgbClr val="FF0000"/>
+            </a:solidFill>
+          </a:ln>
+        </p:spPr>
+        <p:txBody>
+          <a:bodyPr wrap="square" rtlCol="0">
+            <a:spAutoFit/>
+          </a:bodyPr>
+          <a:lstStyle/>
+          <a:p>
+            <a:r>
+              <a:rPr lang="en-US" altLang="ko-KR" sz="1050" dirty="0" smtClean="0">
+                <a:solidFill>
+                  <a:srgbClr val="FF0000"/>
+                </a:solidFill>
+              </a:rPr>
+              <a:t>12set</a:t>
+            </a:r>
+          </a:p>
+          <a:p>
+            <a:endParaRPr lang="en-US" altLang="ko-KR" sz="1050" dirty="0">
+              <a:solidFill>
+                <a:srgbClr val="FF0000"/>
+              </a:solidFill>
+            </a:endParaRPr>
+          </a:p>
+          <a:p>
+            <a:endParaRPr lang="en-US" altLang="ko-KR" sz="1050" dirty="0" smtClean="0">
+              <a:solidFill>
+                <a:srgbClr val="FF0000"/>
+              </a:solidFill>
+            </a:endParaRPr>
+          </a:p>
+          <a:p>
+            <a:endParaRPr lang="en-US" altLang="ko-KR" sz="1050" dirty="0" smtClean="0">
+              <a:solidFill>
+                <a:srgbClr val="FF0000"/>
+              </a:solidFill>
+            </a:endParaRPr>
+          </a:p>
+          <a:p>
+            <a:endParaRPr lang="en-US" altLang="ko-KR" sz="1050" dirty="0">
+              <a:solidFill>
+                <a:srgbClr val="FF0000"/>
+              </a:solidFill>
+            </a:endParaRPr>
+          </a:p>
+        </p:txBody>
+      </p:sp>
+      <p:sp>
+        <p:nvSpPr>
+          <p:cNvPr id="12" name="TextBox 11"/>
+          <p:cNvSpPr txBox="1"/>
+          <p:nvPr/>
+        </p:nvSpPr>
+        <p:spPr>
+          <a:xfrm>
+            <a:off x="4169833" y="4251671"/>
+            <a:ext cx="546100" cy="900246"/>
+          </a:xfrm>
+          <a:prstGeom prst="rect">
+            <a:avLst/>
+          </a:prstGeom>
+          <a:noFill/>
+          <a:ln w="15875">
+            <a:solidFill>
+              <a:srgbClr val="FF0000"/>
+            </a:solidFill>
+          </a:ln>
+        </p:spPr>
+        <p:txBody>
+          <a:bodyPr wrap="square" rtlCol="0">
+            <a:spAutoFit/>
+          </a:bodyPr>
+          <a:lstStyle/>
+          <a:p>
+            <a:r>
+              <a:rPr lang="en-US" altLang="ko-KR" sz="1050" dirty="0" smtClean="0">
+                <a:solidFill>
+                  <a:srgbClr val="FF0000"/>
+                </a:solidFill>
+              </a:rPr>
+              <a:t>2ea</a:t>
+            </a:r>
+          </a:p>
+          <a:p>
+            <a:endParaRPr lang="en-US" altLang="ko-KR" sz="1050" dirty="0">
+              <a:solidFill>
+                <a:srgbClr val="FF0000"/>
+              </a:solidFill>
+            </a:endParaRPr>
+          </a:p>
+          <a:p>
+            <a:endParaRPr lang="en-US" altLang="ko-KR" sz="1050" dirty="0" smtClean="0">
+              <a:solidFill>
+                <a:srgbClr val="FF0000"/>
+              </a:solidFill>
+            </a:endParaRPr>
+          </a:p>
+          <a:p>
+            <a:endParaRPr lang="en-US" altLang="ko-KR" sz="1050" dirty="0" smtClean="0">
+              <a:solidFill>
+                <a:srgbClr val="FF0000"/>
+              </a:solidFill>
+            </a:endParaRPr>
+          </a:p>
+          <a:p>
+            <a:endParaRPr lang="en-US" altLang="ko-KR" sz="1050" dirty="0">
+              <a:solidFill>
+                <a:srgbClr val="FF0000"/>
+              </a:solidFill>
+            </a:endParaRPr>
+          </a:p>
+        </p:txBody>
+      </p:sp>
+      <p:sp>
+        <p:nvSpPr>
+          <p:cNvPr id="13" name="TextBox 12"/>
+          <p:cNvSpPr txBox="1"/>
+          <p:nvPr/>
+        </p:nvSpPr>
+        <p:spPr>
+          <a:xfrm>
+            <a:off x="4723879" y="4251671"/>
+            <a:ext cx="546100" cy="900246"/>
+          </a:xfrm>
+          <a:prstGeom prst="rect">
+            <a:avLst/>
+          </a:prstGeom>
+          <a:noFill/>
+          <a:ln w="15875">
+            <a:solidFill>
+              <a:srgbClr val="FF0000"/>
+            </a:solidFill>
+          </a:ln>
+        </p:spPr>
+        <p:txBody>
+          <a:bodyPr wrap="square" rtlCol="0">
+            <a:spAutoFit/>
+          </a:bodyPr>
+          <a:lstStyle/>
+          <a:p>
+            <a:r>
+              <a:rPr lang="en-US" altLang="ko-KR" sz="1050" dirty="0" smtClean="0">
+                <a:solidFill>
+                  <a:srgbClr val="FF0000"/>
+                </a:solidFill>
+              </a:rPr>
+              <a:t>3ea</a:t>
+            </a:r>
+          </a:p>
+          <a:p>
+            <a:endParaRPr lang="en-US" altLang="ko-KR" sz="1050" dirty="0">
+              <a:solidFill>
+                <a:srgbClr val="FF0000"/>
+              </a:solidFill>
+            </a:endParaRPr>
+          </a:p>
+          <a:p>
+            <a:endParaRPr lang="en-US" altLang="ko-KR" sz="1050" dirty="0" smtClean="0">
+              <a:solidFill>
+                <a:srgbClr val="FF0000"/>
+              </a:solidFill>
+            </a:endParaRPr>
+          </a:p>
+          <a:p>
+            <a:endParaRPr lang="en-US" altLang="ko-KR" sz="1050" dirty="0" smtClean="0">
+              <a:solidFill>
+                <a:srgbClr val="FF0000"/>
+              </a:solidFill>
+            </a:endParaRPr>
+          </a:p>
+          <a:p>
+            <a:endParaRPr lang="en-US" altLang="ko-KR" sz="1050" dirty="0">
+              <a:solidFill>
+                <a:srgbClr val="FF0000"/>
+              </a:solidFill>
+            </a:endParaRPr>
+          </a:p>
+        </p:txBody>
+      </p:sp>
+      <p:sp>
+        <p:nvSpPr>
+          <p:cNvPr id="14" name="TextBox 13"/>
+          <p:cNvSpPr txBox="1"/>
+          <p:nvPr/>
+        </p:nvSpPr>
+        <p:spPr>
+          <a:xfrm>
+            <a:off x="5286795" y="4251671"/>
+            <a:ext cx="546100" cy="900246"/>
+          </a:xfrm>
+          <a:prstGeom prst="rect">
+            <a:avLst/>
+          </a:prstGeom>
+          <a:noFill/>
+          <a:ln w="15875">
+            <a:solidFill>
+              <a:srgbClr val="FF0000"/>
+            </a:solidFill>
+          </a:ln>
+        </p:spPr>
+        <p:txBody>
+          <a:bodyPr wrap="square" rtlCol="0">
+            <a:spAutoFit/>
+          </a:bodyPr>
+          <a:lstStyle/>
+          <a:p>
+            <a:r>
+              <a:rPr lang="en-US" altLang="ko-KR" sz="1050" dirty="0" smtClean="0">
+                <a:solidFill>
+                  <a:srgbClr val="FF0000"/>
+                </a:solidFill>
+              </a:rPr>
+              <a:t>3ea</a:t>
+            </a:r>
+          </a:p>
+          <a:p>
+            <a:endParaRPr lang="en-US" altLang="ko-KR" sz="1050" dirty="0">
+              <a:solidFill>
+                <a:srgbClr val="FF0000"/>
+              </a:solidFill>
+            </a:endParaRPr>
+          </a:p>
+          <a:p>
+            <a:endParaRPr lang="en-US" altLang="ko-KR" sz="1050" dirty="0" smtClean="0">
+              <a:solidFill>
+                <a:srgbClr val="FF0000"/>
+              </a:solidFill>
+            </a:endParaRPr>
+          </a:p>
+          <a:p>
+            <a:endParaRPr lang="en-US" altLang="ko-KR" sz="1050" dirty="0" smtClean="0">
+              <a:solidFill>
+                <a:srgbClr val="FF0000"/>
+              </a:solidFill>
+            </a:endParaRPr>
+          </a:p>
+          <a:p>
+            <a:endParaRPr lang="en-US" altLang="ko-KR" sz="1050" dirty="0">
+              <a:solidFill>
+                <a:srgbClr val="FF0000"/>
+              </a:solidFill>
+            </a:endParaRPr>
+          </a:p>
+        </p:txBody>
+      </p:sp>
+      <p:sp>
+        <p:nvSpPr>
+          <p:cNvPr id="15" name="TextBox 14"/>
+          <p:cNvSpPr txBox="1"/>
+          <p:nvPr/>
+        </p:nvSpPr>
+        <p:spPr>
+          <a:xfrm>
+            <a:off x="4180680" y="5232134"/>
+            <a:ext cx="546100" cy="900246"/>
+          </a:xfrm>
+          <a:prstGeom prst="rect">
+            <a:avLst/>
+          </a:prstGeom>
+          <a:noFill/>
+          <a:ln w="15875">
+            <a:solidFill>
+              <a:srgbClr val="FF0000"/>
+            </a:solidFill>
+          </a:ln>
+        </p:spPr>
+        <p:txBody>
+          <a:bodyPr wrap="square" rtlCol="0">
+            <a:spAutoFit/>
+          </a:bodyPr>
+          <a:lstStyle/>
+          <a:p>
+            <a:r>
+              <a:rPr lang="en-US" altLang="ko-KR" sz="1050" dirty="0" smtClean="0">
+                <a:solidFill>
+                  <a:srgbClr val="FF0000"/>
+                </a:solidFill>
+              </a:rPr>
+              <a:t>2ea</a:t>
+            </a:r>
+          </a:p>
+          <a:p>
+            <a:endParaRPr lang="en-US" altLang="ko-KR" sz="1050" dirty="0">
+              <a:solidFill>
+                <a:srgbClr val="FF0000"/>
+              </a:solidFill>
+            </a:endParaRPr>
+          </a:p>
+          <a:p>
+            <a:endParaRPr lang="en-US" altLang="ko-KR" sz="1050" dirty="0" smtClean="0">
+              <a:solidFill>
+                <a:srgbClr val="FF0000"/>
+              </a:solidFill>
+            </a:endParaRPr>
+          </a:p>
+          <a:p>
+            <a:endParaRPr lang="en-US" altLang="ko-KR" sz="1050" dirty="0" smtClean="0">
+              <a:solidFill>
+                <a:srgbClr val="FF0000"/>
+              </a:solidFill>
+            </a:endParaRPr>
+          </a:p>
+          <a:p>
+            <a:endParaRPr lang="en-US" altLang="ko-KR" sz="1050" dirty="0">
+              <a:solidFill>
+                <a:srgbClr val="FF0000"/>
+              </a:solidFill>
+            </a:endParaRPr>
+          </a:p>
+        </p:txBody>
+      </p:sp>
     </p:spTree>
     <p:extLst>
       <p:ext uri="{BB962C8B-B14F-4D97-AF65-F5344CB8AC3E}">
